--- a/LogisticRegression/pptlogit.pptx
+++ b/LogisticRegression/pptlogit.pptx
@@ -5,7 +5,7 @@
     <p:sldMasterId id="2147483648" r:id="rId1"/>
   </p:sldMasterIdLst>
   <p:notesMasterIdLst>
-    <p:notesMasterId r:id="rId13"/>
+    <p:notesMasterId r:id="rId14"/>
   </p:notesMasterIdLst>
   <p:sldIdLst>
     <p:sldId id="256" r:id="rId2"/>
@@ -18,7 +18,8 @@
     <p:sldId id="267" r:id="rId9"/>
     <p:sldId id="268" r:id="rId10"/>
     <p:sldId id="270" r:id="rId11"/>
-    <p:sldId id="258" r:id="rId12"/>
+    <p:sldId id="271" r:id="rId12"/>
+    <p:sldId id="258" r:id="rId13"/>
   </p:sldIdLst>
   <p:sldSz cx="9144000" cy="5143500" type="screen16x9"/>
   <p:notesSz cx="6858000" cy="9144000"/>
@@ -3468,6 +3469,115 @@
           <a:chExt cx="0" cy="0"/>
         </a:xfrm>
       </p:grpSpPr>
+      <p:sp>
+        <p:nvSpPr>
+          <p:cNvPr id="2" name="Title 1">
+            <a:extLst>
+              <a:ext uri="{FF2B5EF4-FFF2-40B4-BE49-F238E27FC236}">
+                <a16:creationId xmlns:a16="http://schemas.microsoft.com/office/drawing/2014/main" id="{9F68BD8D-6E41-4EB1-9B10-66826B6C386E}"/>
+              </a:ext>
+            </a:extLst>
+          </p:cNvPr>
+          <p:cNvSpPr>
+            <a:spLocks noGrp="1"/>
+          </p:cNvSpPr>
+          <p:nvPr>
+            <p:ph type="title"/>
+          </p:nvPr>
+        </p:nvSpPr>
+        <p:spPr/>
+        <p:txBody>
+          <a:bodyPr/>
+          <a:lstStyle/>
+          <a:p>
+            <a:r>
+              <a:rPr lang="en-US" dirty="0"/>
+              <a:t>Link to </a:t>
+            </a:r>
+            <a:r>
+              <a:rPr lang="en-US" dirty="0" err="1"/>
+              <a:t>ipython</a:t>
+            </a:r>
+            <a:r>
+              <a:rPr lang="en-US" dirty="0"/>
+              <a:t> Notebook and dataset</a:t>
+            </a:r>
+          </a:p>
+        </p:txBody>
+      </p:sp>
+      <p:sp>
+        <p:nvSpPr>
+          <p:cNvPr id="3" name="Content Placeholder 2">
+            <a:extLst>
+              <a:ext uri="{FF2B5EF4-FFF2-40B4-BE49-F238E27FC236}">
+                <a16:creationId xmlns:a16="http://schemas.microsoft.com/office/drawing/2014/main" id="{AAE7F005-FA97-4A9E-91D5-CEB16A4F1845}"/>
+              </a:ext>
+            </a:extLst>
+          </p:cNvPr>
+          <p:cNvSpPr>
+            <a:spLocks noGrp="1"/>
+          </p:cNvSpPr>
+          <p:nvPr>
+            <p:ph sz="quarter" idx="10"/>
+          </p:nvPr>
+        </p:nvSpPr>
+        <p:spPr/>
+        <p:txBody>
+          <a:bodyPr/>
+          <a:lstStyle/>
+          <a:p>
+            <a:r>
+              <a:rPr lang="en-US" dirty="0">
+                <a:hlinkClick r:id="rId2"/>
+              </a:rPr>
+              <a:t>https://bit.ly/2qZgq2N</a:t>
+            </a:r>
+            <a:endParaRPr lang="en-US" dirty="0"/>
+          </a:p>
+          <a:p>
+            <a:endParaRPr lang="en-US" dirty="0"/>
+          </a:p>
+          <a:p>
+            <a:r>
+              <a:rPr lang="en-US" dirty="0">
+                <a:hlinkClick r:id="rId3"/>
+              </a:rPr>
+              <a:t>https://github.com/texas-a-m-data-analytics-club/2019-Datathon/tree/master/LogisticRegression</a:t>
+            </a:r>
+            <a:endParaRPr lang="en-US" dirty="0"/>
+          </a:p>
+        </p:txBody>
+      </p:sp>
+    </p:spTree>
+    <p:extLst>
+      <p:ext uri="{BB962C8B-B14F-4D97-AF65-F5344CB8AC3E}">
+        <p14:creationId xmlns:p14="http://schemas.microsoft.com/office/powerpoint/2010/main" val="295781031"/>
+      </p:ext>
+    </p:extLst>
+  </p:cSld>
+  <p:clrMapOvr>
+    <a:masterClrMapping/>
+  </p:clrMapOvr>
+</p:sld>
+</file>
+
+<file path=ppt/slides/slide12.xml><?xml version="1.0" encoding="utf-8"?>
+<p:sld xmlns:a="http://schemas.openxmlformats.org/drawingml/2006/main" xmlns:r="http://schemas.openxmlformats.org/officeDocument/2006/relationships" xmlns:p="http://schemas.openxmlformats.org/presentationml/2006/main">
+  <p:cSld>
+    <p:spTree>
+      <p:nvGrpSpPr>
+        <p:cNvPr id="1" name=""/>
+        <p:cNvGrpSpPr/>
+        <p:nvPr/>
+      </p:nvGrpSpPr>
+      <p:grpSpPr>
+        <a:xfrm>
+          <a:off x="0" y="0"/>
+          <a:ext cx="0" cy="0"/>
+          <a:chOff x="0" y="0"/>
+          <a:chExt cx="0" cy="0"/>
+        </a:xfrm>
+      </p:grpSpPr>
       <p:pic>
         <p:nvPicPr>
           <p:cNvPr id="6" name="Picture 5" descr="16x9PPBackground.psd"/>
@@ -4227,8 +4337,8 @@
           </a:p>
         </p:txBody>
       </p:sp>
-      <mc:AlternateContent xmlns:mc="http://schemas.openxmlformats.org/markup-compatibility/2006">
-        <mc:Choice xmlns:a14="http://schemas.microsoft.com/office/drawing/2010/main" Requires="a14">
+      <mc:AlternateContent xmlns:mc="http://schemas.openxmlformats.org/markup-compatibility/2006" xmlns:a14="http://schemas.microsoft.com/office/drawing/2010/main">
+        <mc:Choice Requires="a14">
           <p:sp>
             <p:nvSpPr>
               <p:cNvPr id="8" name="TextBox 7"/>
@@ -4447,7 +4557,7 @@
             </p:txBody>
           </p:sp>
         </mc:Choice>
-        <mc:Fallback>
+        <mc:Fallback xmlns="">
           <p:sp>
             <p:nvSpPr>
               <p:cNvPr id="8" name="TextBox 7"/>
